--- a/presentations/2021-11 Webinars/HL7 FHIR Terminology/FHIR-Terminology-Part-2-2021-12-02.pptx
+++ b/presentations/2021-11 Webinars/HL7 FHIR Terminology/FHIR-Terminology-Part-2-2021-12-02.pptx
@@ -332,7 +332,7 @@
             <a:fld id="{1BCE7D1B-E2D6-42EC-A46F-6B8D8AB722EA}" type="datetime1">
               <a:rPr lang="en-US" altLang="en-US"/>
               <a:pPr/>
-              <a:t>12/2/21</a:t>
+              <a:t>2/11/22</a:t>
             </a:fld>
             <a:endParaRPr lang="en-US" altLang="en-US"/>
           </a:p>
@@ -563,7 +563,7 @@
             <a:fld id="{60D4D74E-7671-46E5-9A5B-14F31A4C0D2E}" type="datetime1">
               <a:rPr lang="en-US" altLang="en-US"/>
               <a:pPr/>
-              <a:t>12/2/21</a:t>
+              <a:t>2/11/22</a:t>
             </a:fld>
             <a:endParaRPr lang="en-US" altLang="en-US"/>
           </a:p>
@@ -1721,7 +1721,7 @@
           <a:p>
             <a:fld id="{23F303CC-BC6F-44EE-9A09-81F690F71D2E}" type="datetime1">
               <a:rPr lang="en-US" altLang="en-US" smtClean="0"/>
-              <a:t>12/2/21</a:t>
+              <a:t>2/11/22</a:t>
             </a:fld>
             <a:endParaRPr lang="en-US" altLang="en-US" dirty="0"/>
           </a:p>
@@ -8902,7 +8902,7 @@
           <a:p>
             <a:fld id="{7CE3BD8C-C39F-4FFF-9CD5-05E4806DBFF3}" type="datetime1">
               <a:rPr lang="en-US" altLang="en-US" smtClean="0"/>
-              <a:t>12/2/21</a:t>
+              <a:t>2/11/22</a:t>
             </a:fld>
             <a:endParaRPr lang="en-US" altLang="en-US"/>
           </a:p>
@@ -11420,7 +11420,7 @@
               <a:rPr lang="en-US" sz="1800">
                 <a:hlinkClick r:id="rId2"/>
               </a:rPr>
-              <a:t>/FHIR/documents/blob/master/presentations/2021-11%20Webinars/FHIR-Terminology-Part-2-2021-12-01.pptx</a:t>
+              <a:t>/FHIR/documents/blob/master/presentations/2021-11%20Webinars/HL7%20FHIR%20Terminology/FHIR-Terminology-Part-2-2021-12-01.pptx</a:t>
             </a:r>
             <a:endParaRPr lang="en-US" sz="1800" dirty="0"/>
           </a:p>
